--- a/Slides/Lecture 14.pptx
+++ b/Slides/Lecture 14.pptx
@@ -5,7 +5,7 @@
     <p:sldMasterId id="2147483648" r:id="rId1"/>
   </p:sldMasterIdLst>
   <p:notesMasterIdLst>
-    <p:notesMasterId r:id="rId39"/>
+    <p:notesMasterId r:id="rId38"/>
   </p:notesMasterIdLst>
   <p:sldIdLst>
     <p:sldId id="256" r:id="rId2"/>
@@ -41,10 +41,9 @@
     <p:sldId id="333" r:id="rId32"/>
     <p:sldId id="335" r:id="rId33"/>
     <p:sldId id="336" r:id="rId34"/>
-    <p:sldId id="337" r:id="rId35"/>
-    <p:sldId id="338" r:id="rId36"/>
-    <p:sldId id="339" r:id="rId37"/>
-    <p:sldId id="340" r:id="rId38"/>
+    <p:sldId id="338" r:id="rId35"/>
+    <p:sldId id="339" r:id="rId36"/>
+    <p:sldId id="340" r:id="rId37"/>
   </p:sldIdLst>
   <p:sldSz cx="12192000" cy="6858000"/>
   <p:notesSz cx="6858000" cy="9144000"/>
@@ -245,7 +244,7 @@
           <a:p>
             <a:fld id="{1CB48AD5-CDAE-4B7B-B49D-6DB81FF5A179}" type="datetimeFigureOut">
               <a:rPr lang="en-US" smtClean="0"/>
-              <a:t>12/2/2021</a:t>
+              <a:t>12/8/2021</a:t>
             </a:fld>
             <a:endParaRPr lang="en-US"/>
           </a:p>
@@ -659,7 +658,7 @@
           <a:p>
             <a:fld id="{C4959B56-7D6D-462F-B061-93C9E323EE8A}" type="datetimeFigureOut">
               <a:rPr lang="en-US" smtClean="0"/>
-              <a:t>12/2/2021</a:t>
+              <a:t>12/8/2021</a:t>
             </a:fld>
             <a:endParaRPr lang="en-US"/>
           </a:p>
@@ -857,7 +856,7 @@
           <a:p>
             <a:fld id="{C4959B56-7D6D-462F-B061-93C9E323EE8A}" type="datetimeFigureOut">
               <a:rPr lang="en-US" smtClean="0"/>
-              <a:t>12/2/2021</a:t>
+              <a:t>12/8/2021</a:t>
             </a:fld>
             <a:endParaRPr lang="en-US"/>
           </a:p>
@@ -1065,7 +1064,7 @@
           <a:p>
             <a:fld id="{C4959B56-7D6D-462F-B061-93C9E323EE8A}" type="datetimeFigureOut">
               <a:rPr lang="en-US" smtClean="0"/>
-              <a:t>12/2/2021</a:t>
+              <a:t>12/8/2021</a:t>
             </a:fld>
             <a:endParaRPr lang="en-US"/>
           </a:p>
@@ -1263,7 +1262,7 @@
           <a:p>
             <a:fld id="{C4959B56-7D6D-462F-B061-93C9E323EE8A}" type="datetimeFigureOut">
               <a:rPr lang="en-US" smtClean="0"/>
-              <a:t>12/2/2021</a:t>
+              <a:t>12/8/2021</a:t>
             </a:fld>
             <a:endParaRPr lang="en-US"/>
           </a:p>
@@ -1538,7 +1537,7 @@
           <a:p>
             <a:fld id="{C4959B56-7D6D-462F-B061-93C9E323EE8A}" type="datetimeFigureOut">
               <a:rPr lang="en-US" smtClean="0"/>
-              <a:t>12/2/2021</a:t>
+              <a:t>12/8/2021</a:t>
             </a:fld>
             <a:endParaRPr lang="en-US"/>
           </a:p>
@@ -1803,7 +1802,7 @@
           <a:p>
             <a:fld id="{C4959B56-7D6D-462F-B061-93C9E323EE8A}" type="datetimeFigureOut">
               <a:rPr lang="en-US" smtClean="0"/>
-              <a:t>12/2/2021</a:t>
+              <a:t>12/8/2021</a:t>
             </a:fld>
             <a:endParaRPr lang="en-US"/>
           </a:p>
@@ -2215,7 +2214,7 @@
           <a:p>
             <a:fld id="{C4959B56-7D6D-462F-B061-93C9E323EE8A}" type="datetimeFigureOut">
               <a:rPr lang="en-US" smtClean="0"/>
-              <a:t>12/2/2021</a:t>
+              <a:t>12/8/2021</a:t>
             </a:fld>
             <a:endParaRPr lang="en-US"/>
           </a:p>
@@ -2356,7 +2355,7 @@
           <a:p>
             <a:fld id="{C4959B56-7D6D-462F-B061-93C9E323EE8A}" type="datetimeFigureOut">
               <a:rPr lang="en-US" smtClean="0"/>
-              <a:t>12/2/2021</a:t>
+              <a:t>12/8/2021</a:t>
             </a:fld>
             <a:endParaRPr lang="en-US"/>
           </a:p>
@@ -2469,7 +2468,7 @@
           <a:p>
             <a:fld id="{C4959B56-7D6D-462F-B061-93C9E323EE8A}" type="datetimeFigureOut">
               <a:rPr lang="en-US" smtClean="0"/>
-              <a:t>12/2/2021</a:t>
+              <a:t>12/8/2021</a:t>
             </a:fld>
             <a:endParaRPr lang="en-US"/>
           </a:p>
@@ -2780,7 +2779,7 @@
           <a:p>
             <a:fld id="{C4959B56-7D6D-462F-B061-93C9E323EE8A}" type="datetimeFigureOut">
               <a:rPr lang="en-US" smtClean="0"/>
-              <a:t>12/2/2021</a:t>
+              <a:t>12/8/2021</a:t>
             </a:fld>
             <a:endParaRPr lang="en-US"/>
           </a:p>
@@ -3068,7 +3067,7 @@
           <a:p>
             <a:fld id="{C4959B56-7D6D-462F-B061-93C9E323EE8A}" type="datetimeFigureOut">
               <a:rPr lang="en-US" smtClean="0"/>
-              <a:t>12/2/2021</a:t>
+              <a:t>12/8/2021</a:t>
             </a:fld>
             <a:endParaRPr lang="en-US"/>
           </a:p>
@@ -3309,7 +3308,7 @@
           <a:p>
             <a:fld id="{C4959B56-7D6D-462F-B061-93C9E323EE8A}" type="datetimeFigureOut">
               <a:rPr lang="en-US" smtClean="0"/>
-              <a:t>12/2/2021</a:t>
+              <a:t>12/8/2021</a:t>
             </a:fld>
             <a:endParaRPr lang="en-US"/>
           </a:p>
@@ -11695,10 +11694,10 @@
       </p:sp>
       <p:pic>
         <p:nvPicPr>
-          <p:cNvPr id="5" name="Content Placeholder 4">
+          <p:cNvPr id="7" name="Content Placeholder 6">
             <a:extLst>
               <a:ext uri="{FF2B5EF4-FFF2-40B4-BE49-F238E27FC236}">
-                <a16:creationId xmlns:a16="http://schemas.microsoft.com/office/drawing/2014/main" id="{128B9F70-DCF4-4816-9FD2-A28BCF8DFF4E}"/>
+                <a16:creationId xmlns:a16="http://schemas.microsoft.com/office/drawing/2014/main" id="{ACFEFAA4-A3E8-41A0-9E0E-A1AD3F04858F}"/>
               </a:ext>
             </a:extLst>
           </p:cNvPr>
@@ -11723,8 +11722,8 @@
         </p:blipFill>
         <p:spPr>
           <a:xfrm>
-            <a:off x="4213086" y="1825625"/>
-            <a:ext cx="3765827" cy="4351338"/>
+            <a:off x="1965421" y="1690688"/>
+            <a:ext cx="7692198" cy="4351338"/>
           </a:xfrm>
         </p:spPr>
       </p:pic>
@@ -11742,104 +11741,6 @@
 </file>
 
 <file path=ppt/slides/slide34.xml><?xml version="1.0" encoding="utf-8"?>
-<p:sld xmlns:a="http://schemas.openxmlformats.org/drawingml/2006/main" xmlns:r="http://schemas.openxmlformats.org/officeDocument/2006/relationships" xmlns:p="http://schemas.openxmlformats.org/presentationml/2006/main">
-  <p:cSld>
-    <p:spTree>
-      <p:nvGrpSpPr>
-        <p:cNvPr id="1" name=""/>
-        <p:cNvGrpSpPr/>
-        <p:nvPr/>
-      </p:nvGrpSpPr>
-      <p:grpSpPr>
-        <a:xfrm>
-          <a:off x="0" y="0"/>
-          <a:ext cx="0" cy="0"/>
-          <a:chOff x="0" y="0"/>
-          <a:chExt cx="0" cy="0"/>
-        </a:xfrm>
-      </p:grpSpPr>
-      <p:sp>
-        <p:nvSpPr>
-          <p:cNvPr id="2" name="Title 1">
-            <a:extLst>
-              <a:ext uri="{FF2B5EF4-FFF2-40B4-BE49-F238E27FC236}">
-                <a16:creationId xmlns:a16="http://schemas.microsoft.com/office/drawing/2014/main" id="{9F86CA65-CCF0-4D8F-A284-A8F0742F453A}"/>
-              </a:ext>
-            </a:extLst>
-          </p:cNvPr>
-          <p:cNvSpPr>
-            <a:spLocks noGrp="1"/>
-          </p:cNvSpPr>
-          <p:nvPr>
-            <p:ph type="title"/>
-          </p:nvPr>
-        </p:nvSpPr>
-        <p:spPr/>
-        <p:txBody>
-          <a:bodyPr/>
-          <a:lstStyle/>
-          <a:p>
-            <a:r>
-              <a:rPr lang="en-US" dirty="0">
-                <a:solidFill>
-                  <a:schemeClr val="accent1"/>
-                </a:solidFill>
-              </a:rPr>
-              <a:t>0/1 Knapsack Problem: Example</a:t>
-            </a:r>
-            <a:endParaRPr lang="en-US" dirty="0"/>
-          </a:p>
-        </p:txBody>
-      </p:sp>
-      <p:pic>
-        <p:nvPicPr>
-          <p:cNvPr id="7" name="Content Placeholder 6">
-            <a:extLst>
-              <a:ext uri="{FF2B5EF4-FFF2-40B4-BE49-F238E27FC236}">
-                <a16:creationId xmlns:a16="http://schemas.microsoft.com/office/drawing/2014/main" id="{947684DE-007C-4DE5-9F81-AEA86BE811CA}"/>
-              </a:ext>
-            </a:extLst>
-          </p:cNvPr>
-          <p:cNvPicPr>
-            <a:picLocks noGrp="1" noChangeAspect="1"/>
-          </p:cNvPicPr>
-          <p:nvPr>
-            <p:ph idx="1"/>
-          </p:nvPr>
-        </p:nvPicPr>
-        <p:blipFill>
-          <a:blip r:embed="rId2">
-            <a:extLst>
-              <a:ext uri="{28A0092B-C50C-407E-A947-70E740481C1C}">
-                <a14:useLocalDpi xmlns:a14="http://schemas.microsoft.com/office/drawing/2010/main" val="0"/>
-              </a:ext>
-            </a:extLst>
-          </a:blip>
-          <a:stretch>
-            <a:fillRect/>
-          </a:stretch>
-        </p:blipFill>
-        <p:spPr>
-          <a:xfrm>
-            <a:off x="2400919" y="1825625"/>
-            <a:ext cx="7390162" cy="4351338"/>
-          </a:xfrm>
-        </p:spPr>
-      </p:pic>
-    </p:spTree>
-    <p:extLst>
-      <p:ext uri="{BB962C8B-B14F-4D97-AF65-F5344CB8AC3E}">
-        <p14:creationId xmlns:p14="http://schemas.microsoft.com/office/powerpoint/2010/main" val="376347958"/>
-      </p:ext>
-    </p:extLst>
-  </p:cSld>
-  <p:clrMapOvr>
-    <a:masterClrMapping/>
-  </p:clrMapOvr>
-</p:sld>
-</file>
-
-<file path=ppt/slides/slide35.xml><?xml version="1.0" encoding="utf-8"?>
 <p:sld xmlns:a="http://schemas.openxmlformats.org/drawingml/2006/main" xmlns:r="http://schemas.openxmlformats.org/officeDocument/2006/relationships" xmlns:p="http://schemas.openxmlformats.org/presentationml/2006/main">
   <p:cSld>
     <p:spTree>
@@ -12135,7 +12036,7 @@
 </p:sld>
 </file>
 
-<file path=ppt/slides/slide36.xml><?xml version="1.0" encoding="utf-8"?>
+<file path=ppt/slides/slide35.xml><?xml version="1.0" encoding="utf-8"?>
 <p:sld xmlns:a="http://schemas.openxmlformats.org/drawingml/2006/main" xmlns:r="http://schemas.openxmlformats.org/officeDocument/2006/relationships" xmlns:p="http://schemas.openxmlformats.org/presentationml/2006/main">
   <p:cSld>
     <p:spTree>
@@ -12336,7 +12237,7 @@
 </p:sld>
 </file>
 
-<file path=ppt/slides/slide37.xml><?xml version="1.0" encoding="utf-8"?>
+<file path=ppt/slides/slide36.xml><?xml version="1.0" encoding="utf-8"?>
 <p:sld xmlns:a="http://schemas.openxmlformats.org/drawingml/2006/main" xmlns:r="http://schemas.openxmlformats.org/officeDocument/2006/relationships" xmlns:p="http://schemas.openxmlformats.org/presentationml/2006/main">
   <p:cSld>
     <p:spTree>

--- a/Slides/Lecture 14.pptx
+++ b/Slides/Lecture 14.pptx
@@ -10599,14 +10599,14 @@
             <p:ph idx="1"/>
             <p:extLst>
               <p:ext uri="{D42A27DB-BD31-4B8C-83A1-F6EECF244321}">
-                <p14:modId xmlns:p14="http://schemas.microsoft.com/office/powerpoint/2010/main" val="3422085380"/>
+                <p14:modId xmlns:p14="http://schemas.microsoft.com/office/powerpoint/2010/main" val="2564236874"/>
               </p:ext>
             </p:extLst>
           </p:nvPr>
         </p:nvGraphicFramePr>
         <p:xfrm>
-          <a:off x="838200" y="1825625"/>
-          <a:ext cx="10515600" cy="3302000"/>
+          <a:off x="2152650" y="1927225"/>
+          <a:ext cx="7886700" cy="3302000"/>
         </p:xfrm>
         <a:graphic>
           <a:graphicData uri="http://schemas.openxmlformats.org/drawingml/2006/table">
@@ -10636,13 +10636,6 @@
                     </a:ext>
                   </a:extLst>
                 </a:gridCol>
-                <a:gridCol w="2628900">
-                  <a:extLst>
-                    <a:ext uri="{9D8B030D-6E8A-4147-A177-3AD203B41FA5}">
-                      <a16:colId xmlns:a16="http://schemas.microsoft.com/office/drawing/2014/main" val="2241690413"/>
-                    </a:ext>
-                  </a:extLst>
-                </a:gridCol>
               </a:tblGrid>
               <a:tr h="370840">
                 <a:tc>
@@ -10650,6 +10643,7 @@
                     <a:bodyPr/>
                     <a:lstStyle/>
                     <a:p>
+                      <a:pPr algn="ctr"/>
                       <a:endParaRPr lang="en-US" dirty="0"/>
                     </a:p>
                   </a:txBody>
@@ -10678,20 +10672,6 @@
                       <a:r>
                         <a:rPr lang="en-US" dirty="0"/>
                         <a:t>value</a:t>
-                      </a:r>
-                    </a:p>
-                  </a:txBody>
-                  <a:tcPr/>
-                </a:tc>
-                <a:tc>
-                  <a:txBody>
-                    <a:bodyPr/>
-                    <a:lstStyle/>
-                    <a:p>
-                      <a:pPr algn="ctr"/>
-                      <a:r>
-                        <a:rPr lang="en-US" dirty="0"/>
-                        <a:t>Value per unit weight</a:t>
                       </a:r>
                     </a:p>
                   </a:txBody>
@@ -10741,20 +10721,6 @@
                       <a:r>
                         <a:rPr lang="en-US" dirty="0"/>
                         <a:t>21</a:t>
-                      </a:r>
-                    </a:p>
-                  </a:txBody>
-                  <a:tcPr/>
-                </a:tc>
-                <a:tc>
-                  <a:txBody>
-                    <a:bodyPr/>
-                    <a:lstStyle/>
-                    <a:p>
-                      <a:pPr algn="ctr"/>
-                      <a:r>
-                        <a:rPr lang="en-US" dirty="0"/>
-                        <a:t>7</a:t>
                       </a:r>
                     </a:p>
                   </a:txBody>
@@ -10829,20 +10795,6 @@
                   </a:txBody>
                   <a:tcPr/>
                 </a:tc>
-                <a:tc>
-                  <a:txBody>
-                    <a:bodyPr/>
-                    <a:lstStyle/>
-                    <a:p>
-                      <a:pPr algn="ctr"/>
-                      <a:r>
-                        <a:rPr lang="en-US" dirty="0"/>
-                        <a:t>5</a:t>
-                      </a:r>
-                    </a:p>
-                  </a:txBody>
-                  <a:tcPr/>
-                </a:tc>
                 <a:extLst>
                   <a:ext uri="{0D108BD9-81ED-4DB2-BD59-A6C34878D82A}">
                     <a16:rowId xmlns:a16="http://schemas.microsoft.com/office/drawing/2014/main" val="851939293"/>
@@ -10907,20 +10859,6 @@
                       <a:r>
                         <a:rPr lang="en-US" dirty="0"/>
                         <a:t>15</a:t>
-                      </a:r>
-                    </a:p>
-                  </a:txBody>
-                  <a:tcPr/>
-                </a:tc>
-                <a:tc>
-                  <a:txBody>
-                    <a:bodyPr/>
-                    <a:lstStyle/>
-                    <a:p>
-                      <a:pPr algn="ctr"/>
-                      <a:r>
-                        <a:rPr lang="en-US" dirty="0"/>
-                        <a:t>3</a:t>
                       </a:r>
                     </a:p>
                   </a:txBody>
@@ -10995,20 +10933,6 @@
                   </a:txBody>
                   <a:tcPr/>
                 </a:tc>
-                <a:tc>
-                  <a:txBody>
-                    <a:bodyPr/>
-                    <a:lstStyle/>
-                    <a:p>
-                      <a:pPr algn="ctr"/>
-                      <a:r>
-                        <a:rPr lang="en-US" dirty="0"/>
-                        <a:t>2</a:t>
-                      </a:r>
-                    </a:p>
-                  </a:txBody>
-                  <a:tcPr/>
-                </a:tc>
                 <a:extLst>
                   <a:ext uri="{0D108BD9-81ED-4DB2-BD59-A6C34878D82A}">
                     <a16:rowId xmlns:a16="http://schemas.microsoft.com/office/drawing/2014/main" val="3328033152"/>
@@ -11073,20 +10997,6 @@
                       <a:r>
                         <a:rPr lang="en-US" dirty="0"/>
                         <a:t>8</a:t>
-                      </a:r>
-                    </a:p>
-                  </a:txBody>
-                  <a:tcPr/>
-                </a:tc>
-                <a:tc>
-                  <a:txBody>
-                    <a:bodyPr/>
-                    <a:lstStyle/>
-                    <a:p>
-                      <a:pPr algn="ctr"/>
-                      <a:r>
-                        <a:rPr lang="en-US" dirty="0"/>
-                        <a:t>1</a:t>
                       </a:r>
                     </a:p>
                   </a:txBody>

--- a/Slides/Lecture 14.pptx
+++ b/Slides/Lecture 14.pptx
@@ -7694,10 +7694,10 @@
       </p:sp>
       <p:pic>
         <p:nvPicPr>
-          <p:cNvPr id="5" name="Content Placeholder 4">
+          <p:cNvPr id="7" name="Content Placeholder 6">
             <a:extLst>
               <a:ext uri="{FF2B5EF4-FFF2-40B4-BE49-F238E27FC236}">
-                <a16:creationId xmlns:a16="http://schemas.microsoft.com/office/drawing/2014/main" id="{45C6159E-7EEA-45A1-BB91-19DB849D6AA7}"/>
+                <a16:creationId xmlns:a16="http://schemas.microsoft.com/office/drawing/2014/main" id="{4FA1B0C4-1FF1-4C81-A27B-DAC910B2F9E1}"/>
               </a:ext>
             </a:extLst>
           </p:cNvPr>
@@ -7722,8 +7722,8 @@
         </p:blipFill>
         <p:spPr>
           <a:xfrm>
-            <a:off x="3639078" y="1825625"/>
-            <a:ext cx="4913843" cy="4351338"/>
+            <a:off x="3944609" y="1825625"/>
+            <a:ext cx="4302782" cy="4351338"/>
           </a:xfrm>
         </p:spPr>
       </p:pic>
@@ -11637,6 +11637,163 @@
           </a:xfrm>
         </p:spPr>
       </p:pic>
+      <p:sp>
+        <p:nvSpPr>
+          <p:cNvPr id="4" name="TextBox 3">
+            <a:extLst>
+              <a:ext uri="{FF2B5EF4-FFF2-40B4-BE49-F238E27FC236}">
+                <a16:creationId xmlns:a16="http://schemas.microsoft.com/office/drawing/2014/main" id="{23EE165A-EFF4-4E30-84A0-35D1A5F54DD3}"/>
+              </a:ext>
+            </a:extLst>
+          </p:cNvPr>
+          <p:cNvSpPr txBox="1"/>
+          <p:nvPr/>
+        </p:nvSpPr>
+        <p:spPr>
+          <a:xfrm>
+            <a:off x="8255000" y="5846544"/>
+            <a:ext cx="2997200" cy="646331"/>
+          </a:xfrm>
+          <a:prstGeom prst="rect">
+            <a:avLst/>
+          </a:prstGeom>
+          <a:noFill/>
+        </p:spPr>
+        <p:txBody>
+          <a:bodyPr wrap="square" rtlCol="0">
+            <a:spAutoFit/>
+          </a:bodyPr>
+          <a:lstStyle>
+            <a:defPPr>
+              <a:defRPr lang="en-US"/>
+            </a:defPPr>
+            <a:lvl1pPr marL="0" algn="l" defTabSz="914400" rtl="0" eaLnBrk="1" latinLnBrk="0" hangingPunct="1">
+              <a:defRPr sz="1800" kern="1200">
+                <a:solidFill>
+                  <a:schemeClr val="tx1"/>
+                </a:solidFill>
+                <a:latin typeface="+mn-lt"/>
+                <a:ea typeface="+mn-ea"/>
+                <a:cs typeface="+mn-cs"/>
+              </a:defRPr>
+            </a:lvl1pPr>
+            <a:lvl2pPr marL="457200" algn="l" defTabSz="914400" rtl="0" eaLnBrk="1" latinLnBrk="0" hangingPunct="1">
+              <a:defRPr sz="1800" kern="1200">
+                <a:solidFill>
+                  <a:schemeClr val="tx1"/>
+                </a:solidFill>
+                <a:latin typeface="+mn-lt"/>
+                <a:ea typeface="+mn-ea"/>
+                <a:cs typeface="+mn-cs"/>
+              </a:defRPr>
+            </a:lvl2pPr>
+            <a:lvl3pPr marL="914400" algn="l" defTabSz="914400" rtl="0" eaLnBrk="1" latinLnBrk="0" hangingPunct="1">
+              <a:defRPr sz="1800" kern="1200">
+                <a:solidFill>
+                  <a:schemeClr val="tx1"/>
+                </a:solidFill>
+                <a:latin typeface="+mn-lt"/>
+                <a:ea typeface="+mn-ea"/>
+                <a:cs typeface="+mn-cs"/>
+              </a:defRPr>
+            </a:lvl3pPr>
+            <a:lvl4pPr marL="1371600" algn="l" defTabSz="914400" rtl="0" eaLnBrk="1" latinLnBrk="0" hangingPunct="1">
+              <a:defRPr sz="1800" kern="1200">
+                <a:solidFill>
+                  <a:schemeClr val="tx1"/>
+                </a:solidFill>
+                <a:latin typeface="+mn-lt"/>
+                <a:ea typeface="+mn-ea"/>
+                <a:cs typeface="+mn-cs"/>
+              </a:defRPr>
+            </a:lvl4pPr>
+            <a:lvl5pPr marL="1828800" algn="l" defTabSz="914400" rtl="0" eaLnBrk="1" latinLnBrk="0" hangingPunct="1">
+              <a:defRPr sz="1800" kern="1200">
+                <a:solidFill>
+                  <a:schemeClr val="tx1"/>
+                </a:solidFill>
+                <a:latin typeface="+mn-lt"/>
+                <a:ea typeface="+mn-ea"/>
+                <a:cs typeface="+mn-cs"/>
+              </a:defRPr>
+            </a:lvl5pPr>
+            <a:lvl6pPr marL="2286000" algn="l" defTabSz="914400" rtl="0" eaLnBrk="1" latinLnBrk="0" hangingPunct="1">
+              <a:defRPr sz="1800" kern="1200">
+                <a:solidFill>
+                  <a:schemeClr val="tx1"/>
+                </a:solidFill>
+                <a:latin typeface="+mn-lt"/>
+                <a:ea typeface="+mn-ea"/>
+                <a:cs typeface="+mn-cs"/>
+              </a:defRPr>
+            </a:lvl6pPr>
+            <a:lvl7pPr marL="2743200" algn="l" defTabSz="914400" rtl="0" eaLnBrk="1" latinLnBrk="0" hangingPunct="1">
+              <a:defRPr sz="1800" kern="1200">
+                <a:solidFill>
+                  <a:schemeClr val="tx1"/>
+                </a:solidFill>
+                <a:latin typeface="+mn-lt"/>
+                <a:ea typeface="+mn-ea"/>
+                <a:cs typeface="+mn-cs"/>
+              </a:defRPr>
+            </a:lvl7pPr>
+            <a:lvl8pPr marL="3200400" algn="l" defTabSz="914400" rtl="0" eaLnBrk="1" latinLnBrk="0" hangingPunct="1">
+              <a:defRPr sz="1800" kern="1200">
+                <a:solidFill>
+                  <a:schemeClr val="tx1"/>
+                </a:solidFill>
+                <a:latin typeface="+mn-lt"/>
+                <a:ea typeface="+mn-ea"/>
+                <a:cs typeface="+mn-cs"/>
+              </a:defRPr>
+            </a:lvl8pPr>
+            <a:lvl9pPr marL="3657600" algn="l" defTabSz="914400" rtl="0" eaLnBrk="1" latinLnBrk="0" hangingPunct="1">
+              <a:defRPr sz="1800" kern="1200">
+                <a:solidFill>
+                  <a:schemeClr val="tx1"/>
+                </a:solidFill>
+                <a:latin typeface="+mn-lt"/>
+                <a:ea typeface="+mn-ea"/>
+                <a:cs typeface="+mn-cs"/>
+              </a:defRPr>
+            </a:lvl9pPr>
+          </a:lstStyle>
+          <a:p>
+            <a:r>
+              <a:rPr lang="en-US" b="1" dirty="0">
+                <a:solidFill>
+                  <a:srgbClr val="FF0000"/>
+                </a:solidFill>
+              </a:rPr>
+              <a:t>Note:</a:t>
+            </a:r>
+            <a:r>
+              <a:rPr lang="en-US" b="1" dirty="0">
+                <a:solidFill>
+                  <a:schemeClr val="accent1"/>
+                </a:solidFill>
+              </a:rPr>
+              <a:t> </a:t>
+            </a:r>
+            <a:r>
+              <a:rPr lang="en-US" b="1" dirty="0">
+                <a:solidFill>
+                  <a:srgbClr val="00B050"/>
+                </a:solidFill>
+              </a:rPr>
+              <a:t>DFS</a:t>
+            </a:r>
+            <a:r>
+              <a:rPr lang="en-US" b="1" dirty="0">
+                <a:solidFill>
+                  <a:schemeClr val="accent1"/>
+                </a:solidFill>
+              </a:rPr>
+              <a:t> is used to perform the state space search.</a:t>
+            </a:r>
+          </a:p>
+        </p:txBody>
+      </p:sp>
     </p:spTree>
     <p:extLst>
       <p:ext uri="{BB962C8B-B14F-4D97-AF65-F5344CB8AC3E}">
